--- a/Group Readings/Assignment 1/SHAP Presentation.pptx
+++ b/Group Readings/Assignment 1/SHAP Presentation.pptx
@@ -6252,8 +6252,8 @@
           </a:p>
         </p:txBody>
       </p:sp>
-      <mc:AlternateContent xmlns:mc="http://schemas.openxmlformats.org/markup-compatibility/2006">
-        <mc:Choice xmlns:a14="http://schemas.microsoft.com/office/drawing/2010/main" Requires="a14">
+      <mc:AlternateContent xmlns:mc="http://schemas.openxmlformats.org/markup-compatibility/2006" xmlns:a14="http://schemas.microsoft.com/office/drawing/2010/main">
+        <mc:Choice Requires="a14">
           <p:sp>
             <p:nvSpPr>
               <p:cNvPr id="15" name="TextBox 14">
@@ -6338,7 +6338,7 @@
             </p:txBody>
           </p:sp>
         </mc:Choice>
-        <mc:Fallback>
+        <mc:Fallback xmlns="">
           <p:sp>
             <p:nvSpPr>
               <p:cNvPr id="15" name="TextBox 14">
@@ -6383,8 +6383,8 @@
           </p:sp>
         </mc:Fallback>
       </mc:AlternateContent>
-      <mc:AlternateContent xmlns:mc="http://schemas.openxmlformats.org/markup-compatibility/2006">
-        <mc:Choice xmlns:a14="http://schemas.microsoft.com/office/drawing/2010/main" Requires="a14">
+      <mc:AlternateContent xmlns:mc="http://schemas.openxmlformats.org/markup-compatibility/2006" xmlns:a14="http://schemas.microsoft.com/office/drawing/2010/main">
+        <mc:Choice Requires="a14">
           <p:sp>
             <p:nvSpPr>
               <p:cNvPr id="16" name="TextBox 15">
@@ -6611,7 +6611,7 @@
             </p:txBody>
           </p:sp>
         </mc:Choice>
-        <mc:Fallback>
+        <mc:Fallback xmlns="">
           <p:sp>
             <p:nvSpPr>
               <p:cNvPr id="16" name="TextBox 15">
@@ -6656,8 +6656,8 @@
           </p:sp>
         </mc:Fallback>
       </mc:AlternateContent>
-      <mc:AlternateContent xmlns:mc="http://schemas.openxmlformats.org/markup-compatibility/2006">
-        <mc:Choice xmlns:a14="http://schemas.microsoft.com/office/drawing/2010/main" Requires="a14">
+      <mc:AlternateContent xmlns:mc="http://schemas.openxmlformats.org/markup-compatibility/2006" xmlns:a14="http://schemas.microsoft.com/office/drawing/2010/main">
+        <mc:Choice Requires="a14">
           <p:sp>
             <p:nvSpPr>
               <p:cNvPr id="17" name="TextBox 16">
@@ -6770,7 +6770,7 @@
             </p:txBody>
           </p:sp>
         </mc:Choice>
-        <mc:Fallback>
+        <mc:Fallback xmlns="">
           <p:sp>
             <p:nvSpPr>
               <p:cNvPr id="17" name="TextBox 16">
@@ -6815,8 +6815,8 @@
           </p:sp>
         </mc:Fallback>
       </mc:AlternateContent>
-      <mc:AlternateContent xmlns:mc="http://schemas.openxmlformats.org/markup-compatibility/2006">
-        <mc:Choice xmlns:a14="http://schemas.microsoft.com/office/drawing/2010/main" Requires="a14">
+      <mc:AlternateContent xmlns:mc="http://schemas.openxmlformats.org/markup-compatibility/2006" xmlns:a14="http://schemas.microsoft.com/office/drawing/2010/main">
+        <mc:Choice Requires="a14">
           <p:sp>
             <p:nvSpPr>
               <p:cNvPr id="18" name="TextBox 17">
@@ -7043,7 +7043,7 @@
             </p:txBody>
           </p:sp>
         </mc:Choice>
-        <mc:Fallback>
+        <mc:Fallback xmlns="">
           <p:sp>
             <p:nvSpPr>
               <p:cNvPr id="18" name="TextBox 17">
@@ -7397,8 +7397,8 @@
           </a:p>
         </p:txBody>
       </p:sp>
-      <mc:AlternateContent xmlns:mc="http://schemas.openxmlformats.org/markup-compatibility/2006">
-        <mc:Choice xmlns:a14="http://schemas.microsoft.com/office/drawing/2010/main" Requires="a14">
+      <mc:AlternateContent xmlns:mc="http://schemas.openxmlformats.org/markup-compatibility/2006" xmlns:a14="http://schemas.microsoft.com/office/drawing/2010/main">
+        <mc:Choice Requires="a14">
           <p:sp>
             <p:nvSpPr>
               <p:cNvPr id="6" name="TextBox 5">
@@ -7590,7 +7590,7 @@
             </p:txBody>
           </p:sp>
         </mc:Choice>
-        <mc:Fallback>
+        <mc:Fallback xmlns="">
           <p:sp>
             <p:nvSpPr>
               <p:cNvPr id="6" name="TextBox 5">
@@ -7635,8 +7635,8 @@
           </p:sp>
         </mc:Fallback>
       </mc:AlternateContent>
-      <mc:AlternateContent xmlns:mc="http://schemas.openxmlformats.org/markup-compatibility/2006">
-        <mc:Choice xmlns:a14="http://schemas.microsoft.com/office/drawing/2010/main" Requires="a14">
+      <mc:AlternateContent xmlns:mc="http://schemas.openxmlformats.org/markup-compatibility/2006" xmlns:a14="http://schemas.microsoft.com/office/drawing/2010/main">
+        <mc:Choice Requires="a14">
           <p:sp>
             <p:nvSpPr>
               <p:cNvPr id="2" name="TextBox 1">
@@ -7851,7 +7851,7 @@
             </p:txBody>
           </p:sp>
         </mc:Choice>
-        <mc:Fallback>
+        <mc:Fallback xmlns="">
           <p:sp>
             <p:nvSpPr>
               <p:cNvPr id="2" name="TextBox 1">
@@ -7896,8 +7896,8 @@
           </p:sp>
         </mc:Fallback>
       </mc:AlternateContent>
-      <mc:AlternateContent xmlns:mc="http://schemas.openxmlformats.org/markup-compatibility/2006">
-        <mc:Choice xmlns:a14="http://schemas.microsoft.com/office/drawing/2010/main" Requires="a14">
+      <mc:AlternateContent xmlns:mc="http://schemas.openxmlformats.org/markup-compatibility/2006" xmlns:a14="http://schemas.microsoft.com/office/drawing/2010/main">
+        <mc:Choice Requires="a14">
           <p:sp>
             <p:nvSpPr>
               <p:cNvPr id="7" name="TextBox 6">
@@ -8295,7 +8295,7 @@
             </p:txBody>
           </p:sp>
         </mc:Choice>
-        <mc:Fallback>
+        <mc:Fallback xmlns="">
           <p:sp>
             <p:nvSpPr>
               <p:cNvPr id="7" name="TextBox 6">
@@ -8340,8 +8340,8 @@
           </p:sp>
         </mc:Fallback>
       </mc:AlternateContent>
-      <mc:AlternateContent xmlns:mc="http://schemas.openxmlformats.org/markup-compatibility/2006">
-        <mc:Choice xmlns:a14="http://schemas.microsoft.com/office/drawing/2010/main" Requires="a14">
+      <mc:AlternateContent xmlns:mc="http://schemas.openxmlformats.org/markup-compatibility/2006" xmlns:a14="http://schemas.microsoft.com/office/drawing/2010/main">
+        <mc:Choice Requires="a14">
           <p:sp>
             <p:nvSpPr>
               <p:cNvPr id="4" name="TextBox 3">
@@ -8553,7 +8553,7 @@
             </p:txBody>
           </p:sp>
         </mc:Choice>
-        <mc:Fallback>
+        <mc:Fallback xmlns="">
           <p:sp>
             <p:nvSpPr>
               <p:cNvPr id="4" name="TextBox 3">
@@ -8974,8 +8974,8 @@
           </a:p>
         </p:txBody>
       </p:sp>
-      <mc:AlternateContent xmlns:mc="http://schemas.openxmlformats.org/markup-compatibility/2006">
-        <mc:Choice xmlns:a14="http://schemas.microsoft.com/office/drawing/2010/main" Requires="a14">
+      <mc:AlternateContent xmlns:mc="http://schemas.openxmlformats.org/markup-compatibility/2006" xmlns:a14="http://schemas.microsoft.com/office/drawing/2010/main">
+        <mc:Choice Requires="a14">
           <p:sp>
             <p:nvSpPr>
               <p:cNvPr id="2" name="TextBox 1">
@@ -9190,7 +9190,7 @@
             </p:txBody>
           </p:sp>
         </mc:Choice>
-        <mc:Fallback>
+        <mc:Fallback xmlns="">
           <p:sp>
             <p:nvSpPr>
               <p:cNvPr id="2" name="TextBox 1">
@@ -9544,8 +9544,8 @@
           </a:p>
         </p:txBody>
       </p:sp>
-      <mc:AlternateContent xmlns:mc="http://schemas.openxmlformats.org/markup-compatibility/2006">
-        <mc:Choice xmlns:a14="http://schemas.microsoft.com/office/drawing/2010/main" Requires="a14">
+      <mc:AlternateContent xmlns:mc="http://schemas.openxmlformats.org/markup-compatibility/2006" xmlns:a14="http://schemas.microsoft.com/office/drawing/2010/main">
+        <mc:Choice Requires="a14">
           <p:sp>
             <p:nvSpPr>
               <p:cNvPr id="6" name="TextBox 5">
@@ -9857,7 +9857,7 @@
             </p:txBody>
           </p:sp>
         </mc:Choice>
-        <mc:Fallback>
+        <mc:Fallback xmlns="">
           <p:sp>
             <p:nvSpPr>
               <p:cNvPr id="6" name="TextBox 5">
@@ -9902,8 +9902,8 @@
           </p:sp>
         </mc:Fallback>
       </mc:AlternateContent>
-      <mc:AlternateContent xmlns:mc="http://schemas.openxmlformats.org/markup-compatibility/2006">
-        <mc:Choice xmlns:a14="http://schemas.microsoft.com/office/drawing/2010/main" Requires="a14">
+      <mc:AlternateContent xmlns:mc="http://schemas.openxmlformats.org/markup-compatibility/2006" xmlns:a14="http://schemas.microsoft.com/office/drawing/2010/main">
+        <mc:Choice Requires="a14">
           <p:sp>
             <p:nvSpPr>
               <p:cNvPr id="4" name="TextBox 3">
@@ -10118,7 +10118,7 @@
             </p:txBody>
           </p:sp>
         </mc:Choice>
-        <mc:Fallback>
+        <mc:Fallback xmlns="">
           <p:sp>
             <p:nvSpPr>
               <p:cNvPr id="4" name="TextBox 3">
@@ -10259,8 +10259,8 @@
           </a:p>
         </p:txBody>
       </p:sp>
-      <mc:AlternateContent xmlns:mc="http://schemas.openxmlformats.org/markup-compatibility/2006">
-        <mc:Choice xmlns:a14="http://schemas.microsoft.com/office/drawing/2010/main" Requires="a14">
+      <mc:AlternateContent xmlns:mc="http://schemas.openxmlformats.org/markup-compatibility/2006" xmlns:a14="http://schemas.microsoft.com/office/drawing/2010/main">
+        <mc:Choice Requires="a14">
           <p:sp>
             <p:nvSpPr>
               <p:cNvPr id="16" name="TextBox 15">
@@ -10738,7 +10738,7 @@
             </p:txBody>
           </p:sp>
         </mc:Choice>
-        <mc:Fallback>
+        <mc:Fallback xmlns="">
           <p:sp>
             <p:nvSpPr>
               <p:cNvPr id="16" name="TextBox 15">
